--- a/MacArthur plot.pptx
+++ b/MacArthur plot.pptx
@@ -197,7 +197,7 @@
           <a:p>
             <a:fld id="{A2B5CCBA-AE96-4969-9490-4757A49538F0}" type="datetimeFigureOut">
               <a:rPr lang="en-US" smtClean="0"/>
-              <a:t>28-Oct-17</a:t>
+              <a:t>02-Nov-17</a:t>
             </a:fld>
             <a:endParaRPr lang="en-US"/>
           </a:p>
@@ -685,7 +685,7 @@
           <a:p>
             <a:fld id="{708818E2-BD5E-4F5C-B135-2CA3C3AB4CF0}" type="datetimeFigureOut">
               <a:rPr lang="en-US" smtClean="0"/>
-              <a:t>28-Oct-17</a:t>
+              <a:t>02-Nov-17</a:t>
             </a:fld>
             <a:endParaRPr lang="en-US"/>
           </a:p>
@@ -855,7 +855,7 @@
           <a:p>
             <a:fld id="{708818E2-BD5E-4F5C-B135-2CA3C3AB4CF0}" type="datetimeFigureOut">
               <a:rPr lang="en-US" smtClean="0"/>
-              <a:t>28-Oct-17</a:t>
+              <a:t>02-Nov-17</a:t>
             </a:fld>
             <a:endParaRPr lang="en-US"/>
           </a:p>
@@ -1035,7 +1035,7 @@
           <a:p>
             <a:fld id="{708818E2-BD5E-4F5C-B135-2CA3C3AB4CF0}" type="datetimeFigureOut">
               <a:rPr lang="en-US" smtClean="0"/>
-              <a:t>28-Oct-17</a:t>
+              <a:t>02-Nov-17</a:t>
             </a:fld>
             <a:endParaRPr lang="en-US"/>
           </a:p>
@@ -1205,7 +1205,7 @@
           <a:p>
             <a:fld id="{708818E2-BD5E-4F5C-B135-2CA3C3AB4CF0}" type="datetimeFigureOut">
               <a:rPr lang="en-US" smtClean="0"/>
-              <a:t>28-Oct-17</a:t>
+              <a:t>02-Nov-17</a:t>
             </a:fld>
             <a:endParaRPr lang="en-US"/>
           </a:p>
@@ -1449,7 +1449,7 @@
           <a:p>
             <a:fld id="{708818E2-BD5E-4F5C-B135-2CA3C3AB4CF0}" type="datetimeFigureOut">
               <a:rPr lang="en-US" smtClean="0"/>
-              <a:t>28-Oct-17</a:t>
+              <a:t>02-Nov-17</a:t>
             </a:fld>
             <a:endParaRPr lang="en-US"/>
           </a:p>
@@ -1681,7 +1681,7 @@
           <a:p>
             <a:fld id="{708818E2-BD5E-4F5C-B135-2CA3C3AB4CF0}" type="datetimeFigureOut">
               <a:rPr lang="en-US" smtClean="0"/>
-              <a:t>28-Oct-17</a:t>
+              <a:t>02-Nov-17</a:t>
             </a:fld>
             <a:endParaRPr lang="en-US"/>
           </a:p>
@@ -2048,7 +2048,7 @@
           <a:p>
             <a:fld id="{708818E2-BD5E-4F5C-B135-2CA3C3AB4CF0}" type="datetimeFigureOut">
               <a:rPr lang="en-US" smtClean="0"/>
-              <a:t>28-Oct-17</a:t>
+              <a:t>02-Nov-17</a:t>
             </a:fld>
             <a:endParaRPr lang="en-US"/>
           </a:p>
@@ -2166,7 +2166,7 @@
           <a:p>
             <a:fld id="{708818E2-BD5E-4F5C-B135-2CA3C3AB4CF0}" type="datetimeFigureOut">
               <a:rPr lang="en-US" smtClean="0"/>
-              <a:t>28-Oct-17</a:t>
+              <a:t>02-Nov-17</a:t>
             </a:fld>
             <a:endParaRPr lang="en-US"/>
           </a:p>
@@ -2261,7 +2261,7 @@
           <a:p>
             <a:fld id="{708818E2-BD5E-4F5C-B135-2CA3C3AB4CF0}" type="datetimeFigureOut">
               <a:rPr lang="en-US" smtClean="0"/>
-              <a:t>28-Oct-17</a:t>
+              <a:t>02-Nov-17</a:t>
             </a:fld>
             <a:endParaRPr lang="en-US"/>
           </a:p>
@@ -2538,7 +2538,7 @@
           <a:p>
             <a:fld id="{708818E2-BD5E-4F5C-B135-2CA3C3AB4CF0}" type="datetimeFigureOut">
               <a:rPr lang="en-US" smtClean="0"/>
-              <a:t>28-Oct-17</a:t>
+              <a:t>02-Nov-17</a:t>
             </a:fld>
             <a:endParaRPr lang="en-US"/>
           </a:p>
@@ -2795,7 +2795,7 @@
           <a:p>
             <a:fld id="{708818E2-BD5E-4F5C-B135-2CA3C3AB4CF0}" type="datetimeFigureOut">
               <a:rPr lang="en-US" smtClean="0"/>
-              <a:t>28-Oct-17</a:t>
+              <a:t>02-Nov-17</a:t>
             </a:fld>
             <a:endParaRPr lang="en-US"/>
           </a:p>
@@ -3008,7 +3008,7 @@
           <a:p>
             <a:fld id="{708818E2-BD5E-4F5C-B135-2CA3C3AB4CF0}" type="datetimeFigureOut">
               <a:rPr lang="en-US" smtClean="0"/>
-              <a:t>28-Oct-17</a:t>
+              <a:t>02-Nov-17</a:t>
             </a:fld>
             <a:endParaRPr lang="en-US"/>
           </a:p>
@@ -3485,8 +3485,8 @@
           </a:fontRef>
         </p:style>
       </p:cxnSp>
-      <mc:AlternateContent xmlns:mc="http://schemas.openxmlformats.org/markup-compatibility/2006">
-        <mc:Choice xmlns:a14="http://schemas.microsoft.com/office/drawing/2010/main" Requires="a14">
+      <mc:AlternateContent xmlns:mc="http://schemas.openxmlformats.org/markup-compatibility/2006" xmlns:a14="http://schemas.microsoft.com/office/drawing/2010/main">
+        <mc:Choice Requires="a14">
           <p:sp>
             <p:nvSpPr>
               <p:cNvPr id="16" name="TextBox 15"/>
@@ -3549,7 +3549,7 @@
             </p:txBody>
           </p:sp>
         </mc:Choice>
-        <mc:Fallback>
+        <mc:Fallback xmlns="">
           <p:sp>
             <p:nvSpPr>
               <p:cNvPr id="16" name="TextBox 15"/>
@@ -3588,8 +3588,8 @@
           </p:sp>
         </mc:Fallback>
       </mc:AlternateContent>
-      <mc:AlternateContent xmlns:mc="http://schemas.openxmlformats.org/markup-compatibility/2006">
-        <mc:Choice xmlns:a14="http://schemas.microsoft.com/office/drawing/2010/main" Requires="a14">
+      <mc:AlternateContent xmlns:mc="http://schemas.openxmlformats.org/markup-compatibility/2006" xmlns:a14="http://schemas.microsoft.com/office/drawing/2010/main">
+        <mc:Choice Requires="a14">
           <p:sp>
             <p:nvSpPr>
               <p:cNvPr id="66" name="TextBox 65"/>
@@ -3652,7 +3652,7 @@
             </p:txBody>
           </p:sp>
         </mc:Choice>
-        <mc:Fallback>
+        <mc:Fallback xmlns="">
           <p:sp>
             <p:nvSpPr>
               <p:cNvPr id="66" name="TextBox 65"/>
@@ -3905,8 +3905,8 @@
           </a:fontRef>
         </p:style>
       </p:cxnSp>
-      <mc:AlternateContent xmlns:mc="http://schemas.openxmlformats.org/markup-compatibility/2006">
-        <mc:Choice xmlns:a14="http://schemas.microsoft.com/office/drawing/2010/main" Requires="a14">
+      <mc:AlternateContent xmlns:mc="http://schemas.openxmlformats.org/markup-compatibility/2006" xmlns:a14="http://schemas.microsoft.com/office/drawing/2010/main">
+        <mc:Choice Requires="a14">
           <p:sp>
             <p:nvSpPr>
               <p:cNvPr id="24" name="TextBox 23"/>
@@ -4042,7 +4042,7 @@
             </p:txBody>
           </p:sp>
         </mc:Choice>
-        <mc:Fallback>
+        <mc:Fallback xmlns="">
           <p:sp>
             <p:nvSpPr>
               <p:cNvPr id="24" name="TextBox 23"/>
@@ -4081,8 +4081,8 @@
           </p:sp>
         </mc:Fallback>
       </mc:AlternateContent>
-      <mc:AlternateContent xmlns:mc="http://schemas.openxmlformats.org/markup-compatibility/2006">
-        <mc:Choice xmlns:a14="http://schemas.microsoft.com/office/drawing/2010/main" Requires="a14">
+      <mc:AlternateContent xmlns:mc="http://schemas.openxmlformats.org/markup-compatibility/2006" xmlns:a14="http://schemas.microsoft.com/office/drawing/2010/main">
+        <mc:Choice Requires="a14">
           <p:sp>
             <p:nvSpPr>
               <p:cNvPr id="25" name="TextBox 24"/>
@@ -4218,7 +4218,7 @@
             </p:txBody>
           </p:sp>
         </mc:Choice>
-        <mc:Fallback>
+        <mc:Fallback xmlns="">
           <p:sp>
             <p:nvSpPr>
               <p:cNvPr id="25" name="TextBox 24"/>
@@ -4257,8 +4257,8 @@
           </p:sp>
         </mc:Fallback>
       </mc:AlternateContent>
-      <mc:AlternateContent xmlns:mc="http://schemas.openxmlformats.org/markup-compatibility/2006">
-        <mc:Choice xmlns:a14="http://schemas.microsoft.com/office/drawing/2010/main" Requires="a14">
+      <mc:AlternateContent xmlns:mc="http://schemas.openxmlformats.org/markup-compatibility/2006" xmlns:a14="http://schemas.microsoft.com/office/drawing/2010/main">
+        <mc:Choice Requires="a14">
           <p:sp>
             <p:nvSpPr>
               <p:cNvPr id="41" name="TextBox 40"/>
@@ -4309,13 +4309,7 @@
                             <a:rPr lang="en-US" sz="1800" b="0" i="1" smtClean="0">
                               <a:latin typeface="Cambria Math" panose="02040503050406030204" pitchFamily="18" charset="0"/>
                             </a:rPr>
-                            <m:t>1</m:t>
-                          </m:r>
-                          <m:r>
-                            <a:rPr lang="en-US" sz="1800" b="0" i="1" smtClean="0">
-                              <a:latin typeface="Cambria Math" panose="02040503050406030204" pitchFamily="18" charset="0"/>
-                            </a:rPr>
-                            <m:t>1</m:t>
+                            <m:t>11</m:t>
                           </m:r>
                         </m:sub>
                       </m:sSub>
@@ -4327,7 +4321,7 @@
             </p:txBody>
           </p:sp>
         </mc:Choice>
-        <mc:Fallback>
+        <mc:Fallback xmlns="">
           <p:sp>
             <p:nvSpPr>
               <p:cNvPr id="41" name="TextBox 40"/>
@@ -4366,8 +4360,8 @@
           </p:sp>
         </mc:Fallback>
       </mc:AlternateContent>
-      <mc:AlternateContent xmlns:mc="http://schemas.openxmlformats.org/markup-compatibility/2006">
-        <mc:Choice xmlns:a14="http://schemas.microsoft.com/office/drawing/2010/main" Requires="a14">
+      <mc:AlternateContent xmlns:mc="http://schemas.openxmlformats.org/markup-compatibility/2006" xmlns:a14="http://schemas.microsoft.com/office/drawing/2010/main">
+        <mc:Choice Requires="a14">
           <p:sp>
             <p:nvSpPr>
               <p:cNvPr id="42" name="TextBox 41"/>
@@ -4430,7 +4424,7 @@
             </p:txBody>
           </p:sp>
         </mc:Choice>
-        <mc:Fallback>
+        <mc:Fallback xmlns="">
           <p:sp>
             <p:nvSpPr>
               <p:cNvPr id="42" name="TextBox 41"/>
@@ -4469,8 +4463,8 @@
           </p:sp>
         </mc:Fallback>
       </mc:AlternateContent>
-      <mc:AlternateContent xmlns:mc="http://schemas.openxmlformats.org/markup-compatibility/2006">
-        <mc:Choice xmlns:a14="http://schemas.microsoft.com/office/drawing/2010/main" Requires="a14">
+      <mc:AlternateContent xmlns:mc="http://schemas.openxmlformats.org/markup-compatibility/2006" xmlns:a14="http://schemas.microsoft.com/office/drawing/2010/main">
+        <mc:Choice Requires="a14">
           <p:sp>
             <p:nvSpPr>
               <p:cNvPr id="43" name="TextBox 42"/>
@@ -4533,7 +4527,7 @@
             </p:txBody>
           </p:sp>
         </mc:Choice>
-        <mc:Fallback>
+        <mc:Fallback xmlns="">
           <p:sp>
             <p:nvSpPr>
               <p:cNvPr id="43" name="TextBox 42"/>
@@ -4572,8 +4566,8 @@
           </p:sp>
         </mc:Fallback>
       </mc:AlternateContent>
-      <mc:AlternateContent xmlns:mc="http://schemas.openxmlformats.org/markup-compatibility/2006">
-        <mc:Choice xmlns:a14="http://schemas.microsoft.com/office/drawing/2010/main" Requires="a14">
+      <mc:AlternateContent xmlns:mc="http://schemas.openxmlformats.org/markup-compatibility/2006" xmlns:a14="http://schemas.microsoft.com/office/drawing/2010/main">
+        <mc:Choice Requires="a14">
           <p:sp>
             <p:nvSpPr>
               <p:cNvPr id="44" name="TextBox 43"/>
@@ -4636,7 +4630,7 @@
             </p:txBody>
           </p:sp>
         </mc:Choice>
-        <mc:Fallback>
+        <mc:Fallback xmlns="">
           <p:sp>
             <p:nvSpPr>
               <p:cNvPr id="44" name="TextBox 43"/>
@@ -4675,6 +4669,114 @@
           </p:sp>
         </mc:Fallback>
       </mc:AlternateContent>
+      <p:cxnSp>
+        <p:nvCxnSpPr>
+          <p:cNvPr id="19" name="Straight Arrow Connector 18"/>
+          <p:cNvCxnSpPr/>
+          <p:nvPr/>
+        </p:nvCxnSpPr>
+        <p:spPr>
+          <a:xfrm flipH="1" flipV="1">
+            <a:off x="981586" y="1403838"/>
+            <a:ext cx="0" cy="274320"/>
+          </a:xfrm>
+          <a:prstGeom prst="straightConnector1">
+            <a:avLst/>
+          </a:prstGeom>
+          <a:ln w="19050">
+            <a:solidFill>
+              <a:schemeClr val="tx1"/>
+            </a:solidFill>
+            <a:tailEnd type="triangle"/>
+          </a:ln>
+        </p:spPr>
+        <p:style>
+          <a:lnRef idx="1">
+            <a:schemeClr val="accent1"/>
+          </a:lnRef>
+          <a:fillRef idx="0">
+            <a:schemeClr val="accent1"/>
+          </a:fillRef>
+          <a:effectRef idx="0">
+            <a:schemeClr val="accent1"/>
+          </a:effectRef>
+          <a:fontRef idx="minor">
+            <a:schemeClr val="tx1"/>
+          </a:fontRef>
+        </p:style>
+      </p:cxnSp>
+      <p:cxnSp>
+        <p:nvCxnSpPr>
+          <p:cNvPr id="21" name="Straight Arrow Connector 20"/>
+          <p:cNvCxnSpPr/>
+          <p:nvPr/>
+        </p:nvCxnSpPr>
+        <p:spPr>
+          <a:xfrm flipH="1" flipV="1">
+            <a:off x="523137" y="1045492"/>
+            <a:ext cx="0" cy="274320"/>
+          </a:xfrm>
+          <a:prstGeom prst="straightConnector1">
+            <a:avLst/>
+          </a:prstGeom>
+          <a:ln w="19050">
+            <a:solidFill>
+              <a:schemeClr val="tx1"/>
+            </a:solidFill>
+            <a:tailEnd type="triangle"/>
+          </a:ln>
+        </p:spPr>
+        <p:style>
+          <a:lnRef idx="1">
+            <a:schemeClr val="accent1"/>
+          </a:lnRef>
+          <a:fillRef idx="0">
+            <a:schemeClr val="accent1"/>
+          </a:fillRef>
+          <a:effectRef idx="0">
+            <a:schemeClr val="accent1"/>
+          </a:effectRef>
+          <a:fontRef idx="minor">
+            <a:schemeClr val="tx1"/>
+          </a:fontRef>
+        </p:style>
+      </p:cxnSp>
+      <p:cxnSp>
+        <p:nvCxnSpPr>
+          <p:cNvPr id="26" name="Straight Arrow Connector 25"/>
+          <p:cNvCxnSpPr/>
+          <p:nvPr/>
+        </p:nvCxnSpPr>
+        <p:spPr>
+          <a:xfrm flipH="1" flipV="1">
+            <a:off x="1252658" y="1660040"/>
+            <a:ext cx="0" cy="274320"/>
+          </a:xfrm>
+          <a:prstGeom prst="straightConnector1">
+            <a:avLst/>
+          </a:prstGeom>
+          <a:ln w="19050">
+            <a:solidFill>
+              <a:schemeClr val="tx1"/>
+            </a:solidFill>
+            <a:tailEnd type="triangle"/>
+          </a:ln>
+        </p:spPr>
+        <p:style>
+          <a:lnRef idx="1">
+            <a:schemeClr val="accent1"/>
+          </a:lnRef>
+          <a:fillRef idx="0">
+            <a:schemeClr val="accent1"/>
+          </a:fillRef>
+          <a:effectRef idx="0">
+            <a:schemeClr val="accent1"/>
+          </a:effectRef>
+          <a:fontRef idx="minor">
+            <a:schemeClr val="tx1"/>
+          </a:fontRef>
+        </p:style>
+      </p:cxnSp>
     </p:spTree>
     <p:extLst>
       <p:ext uri="{BB962C8B-B14F-4D97-AF65-F5344CB8AC3E}">
